--- a/report/presentationSlide/Slides_0529.pptx
+++ b/report/presentationSlide/Slides_0529.pptx
@@ -219,7 +219,7 @@
           <a:p>
             <a:fld id="{73B861D0-8FB9-4C40-B207-A00BCB030A44}" type="datetimeFigureOut">
               <a:rPr lang="zh-TW" altLang="en-US" smtClean="0"/>
-              <a:t>2014/5/29</a:t>
+              <a:t>2014/5/30</a:t>
             </a:fld>
             <a:endParaRPr lang="zh-TW" altLang="en-US"/>
           </a:p>
@@ -4966,8 +4966,8 @@
           </a:p>
         </p:txBody>
       </p:sp>
-      <mc:AlternateContent xmlns:mc="http://schemas.openxmlformats.org/markup-compatibility/2006">
-        <mc:Choice xmlns:a14="http://schemas.microsoft.com/office/drawing/2010/main" Requires="a14">
+      <mc:AlternateContent xmlns:mc="http://schemas.openxmlformats.org/markup-compatibility/2006" xmlns:a14="http://schemas.microsoft.com/office/drawing/2010/main">
+        <mc:Choice Requires="a14">
           <p:sp>
             <p:nvSpPr>
               <p:cNvPr id="8" name="內容版面配置區 7"/>
@@ -5039,7 +5039,7 @@
             </p:txBody>
           </p:sp>
         </mc:Choice>
-        <mc:Fallback>
+        <mc:Fallback xmlns="">
           <p:sp>
             <p:nvSpPr>
               <p:cNvPr id="8" name="內容版面配置區 7"/>
@@ -5073,8 +5073,8 @@
           </p:sp>
         </mc:Fallback>
       </mc:AlternateContent>
-      <mc:AlternateContent xmlns:mc="http://schemas.openxmlformats.org/markup-compatibility/2006">
-        <mc:Choice xmlns:a14="http://schemas.microsoft.com/office/drawing/2010/main" Requires="a14">
+      <mc:AlternateContent xmlns:mc="http://schemas.openxmlformats.org/markup-compatibility/2006" xmlns:a14="http://schemas.microsoft.com/office/drawing/2010/main">
+        <mc:Choice Requires="a14">
           <p:graphicFrame>
             <p:nvGraphicFramePr>
               <p:cNvPr id="10" name="內容版面配置區 6"/>
@@ -5431,7 +5431,7 @@
             </a:graphic>
           </p:graphicFrame>
         </mc:Choice>
-        <mc:Fallback>
+        <mc:Fallback xmlns="">
           <p:graphicFrame>
             <p:nvGraphicFramePr>
               <p:cNvPr id="10" name="內容版面配置區 6"/>
@@ -6045,7 +6045,6 @@
               <a:rPr lang="en-US" altLang="zh-TW" dirty="0" smtClean="0"/>
               <a:t>Previous work</a:t>
             </a:r>
-            <a:endParaRPr lang="en-US" altLang="zh-TW" dirty="0" smtClean="0"/>
           </a:p>
           <a:p>
             <a:pPr>
@@ -6056,7 +6055,6 @@
               <a:rPr lang="en-US" altLang="zh-TW" dirty="0" smtClean="0"/>
               <a:t>Introduction</a:t>
             </a:r>
-            <a:endParaRPr lang="en-US" altLang="zh-TW" dirty="0" smtClean="0"/>
           </a:p>
           <a:p>
             <a:pPr>
@@ -6065,11 +6063,7 @@
             </a:pPr>
             <a:r>
               <a:rPr lang="en-US" altLang="zh-TW" dirty="0" smtClean="0"/>
-              <a:t>Simulation result (best MCS given pair</a:t>
-            </a:r>
-            <a:r>
-              <a:rPr lang="en-US" altLang="zh-TW" dirty="0" smtClean="0"/>
-              <a:t>)</a:t>
+              <a:t>Simulation result (best MCS given pair)</a:t>
             </a:r>
           </a:p>
           <a:p>
@@ -6081,7 +6075,6 @@
               <a:rPr lang="en-US" altLang="zh-TW" dirty="0" smtClean="0"/>
               <a:t>Scheduling Problem (single cell, 12 UEs)</a:t>
             </a:r>
-            <a:endParaRPr lang="en-US" altLang="zh-TW" dirty="0" smtClean="0"/>
           </a:p>
           <a:p>
             <a:pPr>
@@ -6100,13 +6093,8 @@
             </a:pPr>
             <a:r>
               <a:rPr lang="en-US" altLang="zh-TW" dirty="0" smtClean="0"/>
-              <a:t>Schedule </a:t>
-            </a:r>
-            <a:r>
-              <a:rPr lang="en-US" altLang="zh-TW" dirty="0" smtClean="0"/>
-              <a:t>Results</a:t>
-            </a:r>
-            <a:endParaRPr lang="en-US" altLang="zh-TW" dirty="0" smtClean="0"/>
+              <a:t>Schedule Results</a:t>
+            </a:r>
           </a:p>
         </p:txBody>
       </p:sp>
@@ -6275,11 +6263,7 @@
             </a:r>
             <a:r>
               <a:rPr lang="en-US" altLang="zh-TW" sz="2200" dirty="0" smtClean="0"/>
-              <a:t>(</a:t>
-            </a:r>
-            <a:r>
-              <a:rPr lang="en-US" altLang="zh-TW" sz="2200" dirty="0" smtClean="0"/>
-              <a:t>NOMA)</a:t>
+              <a:t>(NOMA)</a:t>
             </a:r>
             <a:endParaRPr lang="en-US" altLang="zh-TW" sz="2200" dirty="0"/>
           </a:p>
@@ -6290,15 +6274,7 @@
             </a:pPr>
             <a:r>
               <a:rPr lang="en-US" altLang="zh-TW" sz="2200" dirty="0" smtClean="0"/>
-              <a:t>Based </a:t>
-            </a:r>
-            <a:r>
-              <a:rPr lang="en-US" altLang="zh-TW" sz="2200" dirty="0" smtClean="0"/>
-              <a:t>on </a:t>
-            </a:r>
-            <a:r>
-              <a:rPr lang="en-US" altLang="zh-TW" sz="2200" dirty="0" smtClean="0"/>
-              <a:t>the survey, </a:t>
+              <a:t>Based on the survey, </a:t>
             </a:r>
             <a:r>
               <a:rPr lang="en-US" altLang="zh-TW" sz="2200" dirty="0"/>
@@ -6338,11 +6314,7 @@
             </a:r>
             <a:r>
               <a:rPr lang="en-US" altLang="zh-TW" sz="2200" dirty="0" smtClean="0"/>
-              <a:t>scheduling to be studied in this </a:t>
-            </a:r>
-            <a:r>
-              <a:rPr lang="en-US" altLang="zh-TW" sz="2200" dirty="0" smtClean="0"/>
-              <a:t>project</a:t>
+              <a:t>scheduling to be studied in this project</a:t>
             </a:r>
           </a:p>
           <a:p>
@@ -6512,8 +6484,8 @@
           </a:p>
         </p:txBody>
       </p:sp>
-      <mc:AlternateContent xmlns:mc="http://schemas.openxmlformats.org/markup-compatibility/2006">
-        <mc:Choice xmlns:a14="http://schemas.microsoft.com/office/drawing/2010/main" Requires="a14">
+      <mc:AlternateContent xmlns:mc="http://schemas.openxmlformats.org/markup-compatibility/2006" xmlns:a14="http://schemas.microsoft.com/office/drawing/2010/main">
+        <mc:Choice Requires="a14">
           <p:sp>
             <p:nvSpPr>
               <p:cNvPr id="3" name="內容版面配置區 2"/>
@@ -6579,7 +6551,7 @@
             </p:txBody>
           </p:sp>
         </mc:Choice>
-        <mc:Fallback>
+        <mc:Fallback xmlns="">
           <p:sp>
             <p:nvSpPr>
               <p:cNvPr id="3" name="內容版面配置區 2"/>
@@ -7082,11 +7054,7 @@
                     <a:p>
                       <a:r>
                         <a:rPr lang="en-US" altLang="zh-TW" dirty="0" smtClean="0"/>
-                        <a:t>Convolutional </a:t>
-                      </a:r>
-                      <a:r>
-                        <a:rPr lang="en-US" altLang="zh-TW" dirty="0" smtClean="0"/>
-                        <a:t>Code (punctured)</a:t>
+                        <a:t>Convolutional Code (punctured)</a:t>
                       </a:r>
                       <a:endParaRPr lang="zh-TW" altLang="en-US" dirty="0"/>
                     </a:p>
@@ -7171,11 +7139,7 @@
                     <a:p>
                       <a:r>
                         <a:rPr lang="en-US" altLang="zh-TW" dirty="0" smtClean="0"/>
-                        <a:t>BPSK (skipped), </a:t>
-                      </a:r>
-                      <a:r>
-                        <a:rPr lang="en-US" altLang="zh-TW" dirty="0" smtClean="0"/>
-                        <a:t>QPSK,</a:t>
+                        <a:t>BPSK (skipped), QPSK,</a:t>
                       </a:r>
                       <a:r>
                         <a:rPr lang="en-US" altLang="zh-TW" baseline="0" dirty="0" smtClean="0"/>
@@ -7209,11 +7173,7 @@
                     <a:p>
                       <a:r>
                         <a:rPr lang="en-US" altLang="zh-TW" dirty="0" smtClean="0"/>
-                        <a:t>AWGN, </a:t>
-                      </a:r>
-                      <a:r>
-                        <a:rPr lang="en-US" altLang="zh-TW" dirty="0" smtClean="0"/>
-                        <a:t>ITU pedestrian 3km/</a:t>
+                        <a:t>AWGN, ITU pedestrian 3km/</a:t>
                       </a:r>
                       <a:r>
                         <a:rPr lang="en-US" altLang="zh-TW" dirty="0" err="1" smtClean="0"/>
@@ -7692,15 +7652,7 @@
             </a:pPr>
             <a:r>
               <a:rPr lang="en-US" altLang="zh-TW" dirty="0" smtClean="0"/>
-              <a:t>Assume there are </a:t>
-            </a:r>
-            <a:r>
-              <a:rPr lang="en-US" altLang="zh-TW" dirty="0" smtClean="0"/>
-              <a:t>12 </a:t>
-            </a:r>
-            <a:r>
-              <a:rPr lang="en-US" altLang="zh-TW" dirty="0" smtClean="0"/>
-              <a:t>users</a:t>
+              <a:t>Assume there are 12 users</a:t>
             </a:r>
             <a:r>
               <a:rPr lang="zh-TW" altLang="en-US" dirty="0" smtClean="0"/>
@@ -7708,15 +7660,7 @@
             </a:r>
             <a:r>
               <a:rPr lang="en-US" altLang="zh-TW" dirty="0" smtClean="0"/>
-              <a:t>randomly scattered in </a:t>
-            </a:r>
-            <a:r>
-              <a:rPr lang="en-US" altLang="zh-TW" dirty="0" smtClean="0"/>
-              <a:t>2800 </a:t>
-            </a:r>
-            <a:r>
-              <a:rPr lang="en-US" altLang="zh-TW" dirty="0" smtClean="0"/>
-              <a:t>square meter plane.</a:t>
+              <a:t>randomly scattered in 2800 square meter plane.</a:t>
             </a:r>
             <a:r>
               <a:rPr lang="en-US" altLang="zh-TW" dirty="0"/>
@@ -8285,8 +8229,8 @@
               </a:fontRef>
             </p:style>
           </p:cxnSp>
-          <mc:AlternateContent xmlns:mc="http://schemas.openxmlformats.org/markup-compatibility/2006">
-            <mc:Choice xmlns:a14="http://schemas.microsoft.com/office/drawing/2010/main" Requires="a14">
+          <mc:AlternateContent xmlns:mc="http://schemas.openxmlformats.org/markup-compatibility/2006" xmlns:a14="http://schemas.microsoft.com/office/drawing/2010/main">
+            <mc:Choice Requires="a14">
               <p:sp>
                 <p:nvSpPr>
                   <p:cNvPr id="37" name="文字方塊 36"/>
@@ -8333,7 +8277,7 @@
                 </p:txBody>
               </p:sp>
             </mc:Choice>
-            <mc:Fallback>
+            <mc:Fallback xmlns="">
               <p:sp>
                 <p:nvSpPr>
                   <p:cNvPr id="37" name="文字方塊 36"/>
